--- a/data-viz-01/src/v01-basic-exercise-shape.pptx
+++ b/data-viz-01/src/v01-basic-exercise-shape.pptx
@@ -4427,7 +4427,7 @@
                 <a:latin typeface="Courier"/>
               </a:rPr>
               <a:t>ch5 = alt.Chart(df).mark_point().encode(
-      x='Bedrooms',y='Price', shape='Bedrooms:N')</a:t>
+      x='Age',y='Price', shape='Bedrooms:N')</a:t>
             </a:r>
           </a:p>
         </p:txBody>
